--- a/images/Architecture.pptx
+++ b/images/Architecture.pptx
@@ -105,6 +105,11 @@
       </a:defRPr>
     </a:lvl9pPr>
   </p:defaultTextStyle>
+  <p:extLst>
+    <p:ext uri="{EFAFB233-063F-42B5-8137-9DF3F51BA10A}">
+      <p15:sldGuideLst xmlns:p15="http://schemas.microsoft.com/office/powerpoint/2012/main"/>
+    </p:ext>
+  </p:extLst>
 </p:presentation>
 </file>
 
@@ -3643,7 +3648,7 @@
               <a:srgbClr val="78909C"/>
             </a:solidFill>
             <a:headEnd type="triangle"/>
-            <a:tailEnd type="none"/>
+            <a:tailEnd type="triangle"/>
           </a:ln>
         </p:spPr>
         <p:style>
@@ -3733,7 +3738,7 @@
               <a:srgbClr val="78909C"/>
             </a:solidFill>
             <a:headEnd type="triangle"/>
-            <a:tailEnd type="none"/>
+            <a:tailEnd type="triangle"/>
           </a:ln>
         </p:spPr>
         <p:style>
@@ -4187,10 +4192,10 @@
       </p:grpSpPr>
       <p:pic>
         <p:nvPicPr>
-          <p:cNvPr id="63" name="Grafik 62">
-            <a:extLst>
-              <a:ext uri="{FF2B5EF4-FFF2-40B4-BE49-F238E27FC236}">
-                <a16:creationId xmlns:a16="http://schemas.microsoft.com/office/drawing/2014/main" id="{E8580C4C-7AF2-4496-81BD-26F725F9CE5F}"/>
+          <p:cNvPr id="2" name="Grafik 1">
+            <a:extLst>
+              <a:ext uri="{FF2B5EF4-FFF2-40B4-BE49-F238E27FC236}">
+                <a16:creationId xmlns:a16="http://schemas.microsoft.com/office/drawing/2014/main" id="{A225364B-322B-4A6E-8818-52CC093072F0}"/>
               </a:ext>
             </a:extLst>
           </p:cNvPr>
